--- a/Présentation TL cryptographie.pptx
+++ b/Présentation TL cryptographie.pptx
@@ -120,6 +120,11 @@
       </a:defRPr>
     </a:lvl9pPr>
   </p:defaultTextStyle>
+  <p:extLst>
+    <p:ext uri="{EFAFB233-063F-42B5-8137-9DF3F51BA10A}">
+      <p15:sldGuideLst xmlns:p15="http://schemas.microsoft.com/office/powerpoint/2012/main"/>
+    </p:ext>
+  </p:extLst>
 </p:presentation>
 </file>
 
@@ -3903,7 +3908,15 @@
           <a:p>
             <a:r>
               <a:rPr lang="fr-FR" dirty="0" smtClean="0"/>
-              <a:t>- Echange des noms et clés pour vérifier si le correspondant est CA ou DA</a:t>
+              <a:t>- Echange des noms et clés pour vérifier si le correspondant est </a:t>
+            </a:r>
+            <a:r>
+              <a:rPr lang="fr-FR" dirty="0" smtClean="0"/>
+              <a:t>dans CA </a:t>
+            </a:r>
+            <a:r>
+              <a:rPr lang="fr-FR" dirty="0" smtClean="0"/>
+              <a:t>ou DA</a:t>
             </a:r>
           </a:p>
           <a:p>
@@ -4381,12 +4394,12 @@
               <a:t>- A renvoie le </a:t>
             </a:r>
             <a:r>
-              <a:rPr lang="fr-FR" dirty="0" err="1" smtClean="0"/>
-              <a:t>certificatt</a:t>
-            </a:r>
-            <a:r>
-              <a:rPr lang="fr-FR" dirty="0" smtClean="0"/>
-              <a:t> d’une autorité qu’ils ont en commun</a:t>
+              <a:rPr lang="fr-FR" dirty="0" smtClean="0"/>
+              <a:t>certificat </a:t>
+            </a:r>
+            <a:r>
+              <a:rPr lang="fr-FR" dirty="0" smtClean="0"/>
+              <a:t>d’une autorité qu’ils ont en commun</a:t>
             </a:r>
           </a:p>
           <a:p>
@@ -5611,7 +5624,15 @@
           <a:p>
             <a:r>
               <a:rPr lang="fr-FR" dirty="0" smtClean="0"/>
-              <a:t>- Créée au lancement avec une étape de création de l’équipement</a:t>
+              <a:t>- Créée au lancement avec une étape de </a:t>
+            </a:r>
+            <a:r>
+              <a:rPr lang="fr-FR" dirty="0" smtClean="0"/>
+              <a:t>construction </a:t>
+            </a:r>
+            <a:r>
+              <a:rPr lang="fr-FR" dirty="0" smtClean="0"/>
+              <a:t>de l’équipement</a:t>
             </a:r>
           </a:p>
           <a:p>
@@ -5623,7 +5644,15 @@
           <a:p>
             <a:r>
               <a:rPr lang="fr-FR" dirty="0" smtClean="0"/>
-              <a:t>- Console qui affiche un retour sur les opérations effectuées et dur certaines erreurs</a:t>
+              <a:t>- Console qui affiche un retour sur les opérations effectuées et </a:t>
+            </a:r>
+            <a:r>
+              <a:rPr lang="fr-FR" dirty="0" smtClean="0"/>
+              <a:t>de </a:t>
+            </a:r>
+            <a:r>
+              <a:rPr lang="fr-FR" dirty="0" smtClean="0"/>
+              <a:t>certaines erreurs</a:t>
             </a:r>
             <a:endParaRPr lang="fr-FR" dirty="0"/>
           </a:p>
@@ -5683,7 +5712,7 @@
           <a:p>
             <a:r>
               <a:rPr lang="fr-FR" dirty="0" smtClean="0"/>
-              <a:t>Sockets</a:t>
+              <a:t>Package Sockets</a:t>
             </a:r>
             <a:endParaRPr lang="fr-FR" dirty="0"/>
           </a:p>
@@ -5718,7 +5747,15 @@
           <a:p>
             <a:r>
               <a:rPr lang="fr-FR" dirty="0" smtClean="0"/>
-              <a:t>- Proches de ce qui était proposé dans le sujet</a:t>
+              <a:t>- </a:t>
+            </a:r>
+            <a:r>
+              <a:rPr lang="fr-FR" dirty="0" smtClean="0"/>
+              <a:t>Serveur et Client proches </a:t>
+            </a:r>
+            <a:r>
+              <a:rPr lang="fr-FR" dirty="0" smtClean="0"/>
+              <a:t>de ce qui était proposé dans le sujet</a:t>
             </a:r>
           </a:p>
           <a:p>
@@ -5795,11 +5832,7 @@
           <a:p>
             <a:r>
               <a:rPr lang="fr-FR" dirty="0" smtClean="0"/>
-              <a:t>Security </a:t>
-            </a:r>
-            <a:r>
-              <a:rPr lang="fr-FR" dirty="0" err="1" smtClean="0"/>
-              <a:t>objects</a:t>
+              <a:t>Package Security</a:t>
             </a:r>
             <a:endParaRPr lang="fr-FR" dirty="0"/>
           </a:p>

--- a/Présentation TL cryptographie.pptx
+++ b/Présentation TL cryptographie.pptx
@@ -354,7 +354,7 @@
           <a:p>
             <a:fld id="{96DFF08F-DC6B-4601-B491-B0F83F6DD2DA}" type="datetimeFigureOut">
               <a:rPr lang="en-US" dirty="0"/>
-              <a:t>10/22/2015</a:t>
+              <a:t>10/23/2015</a:t>
             </a:fld>
             <a:endParaRPr lang="en-US" dirty="0"/>
           </a:p>
@@ -557,7 +557,7 @@
           <a:p>
             <a:fld id="{96DFF08F-DC6B-4601-B491-B0F83F6DD2DA}" type="datetimeFigureOut">
               <a:rPr lang="en-US" dirty="0"/>
-              <a:t>10/22/2015</a:t>
+              <a:t>10/23/2015</a:t>
             </a:fld>
             <a:endParaRPr lang="en-US" dirty="0"/>
           </a:p>
@@ -808,7 +808,7 @@
           <a:p>
             <a:fld id="{96DFF08F-DC6B-4601-B491-B0F83F6DD2DA}" type="datetimeFigureOut">
               <a:rPr lang="en-US" dirty="0"/>
-              <a:t>10/22/2015</a:t>
+              <a:t>10/23/2015</a:t>
             </a:fld>
             <a:endParaRPr lang="en-US" dirty="0"/>
           </a:p>
@@ -973,7 +973,7 @@
           <a:p>
             <a:fld id="{D62CEF3B-A037-46D0-B02C-1428F07E9383}" type="datetimeFigureOut">
               <a:rPr lang="en-US" dirty="0"/>
-              <a:t>10/22/2015</a:t>
+              <a:t>10/23/2015</a:t>
             </a:fld>
             <a:endParaRPr lang="en-US" dirty="0"/>
           </a:p>
@@ -1311,7 +1311,7 @@
           <a:p>
             <a:fld id="{96DFF08F-DC6B-4601-B491-B0F83F6DD2DA}" type="datetimeFigureOut">
               <a:rPr lang="en-US" dirty="0"/>
-              <a:t>10/22/2015</a:t>
+              <a:t>10/23/2015</a:t>
             </a:fld>
             <a:endParaRPr lang="en-US" dirty="0"/>
           </a:p>
@@ -1581,7 +1581,7 @@
           <a:p>
             <a:fld id="{96DFF08F-DC6B-4601-B491-B0F83F6DD2DA}" type="datetimeFigureOut">
               <a:rPr lang="en-US" dirty="0"/>
-              <a:t>10/22/2015</a:t>
+              <a:t>10/23/2015</a:t>
             </a:fld>
             <a:endParaRPr lang="en-US" dirty="0"/>
           </a:p>
@@ -1955,7 +1955,7 @@
           <a:p>
             <a:fld id="{96DFF08F-DC6B-4601-B491-B0F83F6DD2DA}" type="datetimeFigureOut">
               <a:rPr lang="en-US" dirty="0"/>
-              <a:t>10/22/2015</a:t>
+              <a:t>10/23/2015</a:t>
             </a:fld>
             <a:endParaRPr lang="en-US" dirty="0"/>
           </a:p>
@@ -2068,7 +2068,7 @@
           <a:p>
             <a:fld id="{96DFF08F-DC6B-4601-B491-B0F83F6DD2DA}" type="datetimeFigureOut">
               <a:rPr lang="en-US" dirty="0"/>
-              <a:t>10/22/2015</a:t>
+              <a:t>10/23/2015</a:t>
             </a:fld>
             <a:endParaRPr lang="en-US" dirty="0"/>
           </a:p>
@@ -2235,7 +2235,7 @@
             <a:fld id="{96DFF08F-DC6B-4601-B491-B0F83F6DD2DA}" type="datetimeFigureOut">
               <a:rPr lang="en-US" dirty="0"/>
               <a:pPr/>
-              <a:t>10/22/2015</a:t>
+              <a:t>10/23/2015</a:t>
             </a:fld>
             <a:endParaRPr lang="en-US" dirty="0"/>
           </a:p>
@@ -2586,7 +2586,7 @@
             <a:fld id="{96DFF08F-DC6B-4601-B491-B0F83F6DD2DA}" type="datetimeFigureOut">
               <a:rPr lang="en-US" dirty="0"/>
               <a:pPr/>
-              <a:t>10/22/2015</a:t>
+              <a:t>10/23/2015</a:t>
             </a:fld>
             <a:endParaRPr lang="en-US" dirty="0"/>
           </a:p>
@@ -2959,7 +2959,7 @@
           <a:p>
             <a:fld id="{96DFF08F-DC6B-4601-B491-B0F83F6DD2DA}" type="datetimeFigureOut">
               <a:rPr lang="en-US" dirty="0"/>
-              <a:t>10/22/2015</a:t>
+              <a:t>10/23/2015</a:t>
             </a:fld>
             <a:endParaRPr lang="en-US" dirty="0"/>
           </a:p>
@@ -3242,7 +3242,7 @@
             <a:fld id="{96DFF08F-DC6B-4601-B491-B0F83F6DD2DA}" type="datetimeFigureOut">
               <a:rPr lang="en-US" dirty="0"/>
               <a:pPr/>
-              <a:t>10/22/2015</a:t>
+              <a:t>10/23/2015</a:t>
             </a:fld>
             <a:endParaRPr lang="en-US" dirty="0"/>
           </a:p>
@@ -3908,15 +3908,7 @@
           <a:p>
             <a:r>
               <a:rPr lang="fr-FR" dirty="0" smtClean="0"/>
-              <a:t>- Echange des noms et clés pour vérifier si le correspondant est </a:t>
-            </a:r>
-            <a:r>
-              <a:rPr lang="fr-FR" dirty="0" smtClean="0"/>
-              <a:t>dans CA </a:t>
-            </a:r>
-            <a:r>
-              <a:rPr lang="fr-FR" dirty="0" smtClean="0"/>
-              <a:t>ou DA</a:t>
+              <a:t>- Echange des noms et clés pour vérifier si le correspondant est dans CA ou DA</a:t>
             </a:r>
           </a:p>
           <a:p>
@@ -4391,15 +4383,7 @@
           <a:p>
             <a:r>
               <a:rPr lang="fr-FR" dirty="0" smtClean="0"/>
-              <a:t>- A renvoie le </a:t>
-            </a:r>
-            <a:r>
-              <a:rPr lang="fr-FR" dirty="0" smtClean="0"/>
-              <a:t>certificat </a:t>
-            </a:r>
-            <a:r>
-              <a:rPr lang="fr-FR" dirty="0" smtClean="0"/>
-              <a:t>d’une autorité qu’ils ont en commun</a:t>
+              <a:t>- A renvoie le certificat d’une autorité qu’ils ont en commun</a:t>
             </a:r>
           </a:p>
           <a:p>
@@ -4788,19 +4772,26 @@
           <a:p>
             <a:r>
               <a:rPr lang="fr-FR" dirty="0" smtClean="0"/>
-              <a:t>2. Explication des choix d’implémentation</a:t>
-            </a:r>
-          </a:p>
-          <a:p>
-            <a:r>
-              <a:rPr lang="fr-FR" dirty="0" smtClean="0"/>
-              <a:t>3. Perspectives de développement</a:t>
-            </a:r>
-          </a:p>
-          <a:p>
-            <a:r>
-              <a:rPr lang="fr-FR" dirty="0" smtClean="0"/>
-              <a:t>4. Tests en fonctionnement</a:t>
+              <a:t>2. Explication des choix </a:t>
+            </a:r>
+            <a:r>
+              <a:rPr lang="fr-FR" dirty="0" smtClean="0"/>
+              <a:t>d’implémentation</a:t>
+            </a:r>
+            <a:endParaRPr lang="fr-FR" dirty="0" smtClean="0"/>
+          </a:p>
+          <a:p>
+            <a:r>
+              <a:rPr lang="fr-FR" dirty="0"/>
+              <a:t>3</a:t>
+            </a:r>
+            <a:r>
+              <a:rPr lang="fr-FR" dirty="0" smtClean="0"/>
+              <a:t>. </a:t>
+            </a:r>
+            <a:r>
+              <a:rPr lang="fr-FR" dirty="0" smtClean="0"/>
+              <a:t>Tests en fonctionnement</a:t>
             </a:r>
             <a:endParaRPr lang="fr-FR" dirty="0"/>
           </a:p>
@@ -5624,15 +5615,7 @@
           <a:p>
             <a:r>
               <a:rPr lang="fr-FR" dirty="0" smtClean="0"/>
-              <a:t>- Créée au lancement avec une étape de </a:t>
-            </a:r>
-            <a:r>
-              <a:rPr lang="fr-FR" dirty="0" smtClean="0"/>
-              <a:t>construction </a:t>
-            </a:r>
-            <a:r>
-              <a:rPr lang="fr-FR" dirty="0" smtClean="0"/>
-              <a:t>de l’équipement</a:t>
+              <a:t>- Créée au lancement avec une étape de construction de l’équipement</a:t>
             </a:r>
           </a:p>
           <a:p>
@@ -5644,15 +5627,7 @@
           <a:p>
             <a:r>
               <a:rPr lang="fr-FR" dirty="0" smtClean="0"/>
-              <a:t>- Console qui affiche un retour sur les opérations effectuées et </a:t>
-            </a:r>
-            <a:r>
-              <a:rPr lang="fr-FR" dirty="0" smtClean="0"/>
-              <a:t>de </a:t>
-            </a:r>
-            <a:r>
-              <a:rPr lang="fr-FR" dirty="0" smtClean="0"/>
-              <a:t>certaines erreurs</a:t>
+              <a:t>- Console qui affiche un retour sur les opérations effectuées et de certaines erreurs</a:t>
             </a:r>
             <a:endParaRPr lang="fr-FR" dirty="0"/>
           </a:p>
@@ -5747,15 +5722,7 @@
           <a:p>
             <a:r>
               <a:rPr lang="fr-FR" dirty="0" smtClean="0"/>
-              <a:t>- </a:t>
-            </a:r>
-            <a:r>
-              <a:rPr lang="fr-FR" dirty="0" smtClean="0"/>
-              <a:t>Serveur et Client proches </a:t>
-            </a:r>
-            <a:r>
-              <a:rPr lang="fr-FR" dirty="0" smtClean="0"/>
-              <a:t>de ce qui était proposé dans le sujet</a:t>
+              <a:t>- Serveur et Client proches de ce qui était proposé dans le sujet</a:t>
             </a:r>
           </a:p>
           <a:p>
